--- a/2023_기업솔루션_프로젝트_보고서_4-1조.pptx
+++ b/2023_기업솔루션_프로젝트_보고서_4-1조.pptx
@@ -1748,7 +1748,7 @@
                 <a:ea typeface="돋움" panose="020B0600000101010101" pitchFamily="50" charset="-127"/>
               </a:rPr>
               <a:pPr algn="r" eaLnBrk="1" hangingPunct="1"/>
-              <a:t>2023-12-05</a:t>
+              <a:t>2023-12-12</a:t>
             </a:fld>
             <a:r>
               <a:rPr lang="en-US" altLang="ko-KR" sz="1200" b="1" i="1" dirty="0">
@@ -3046,7 +3046,7 @@
                 <a:ea typeface="돋움" panose="020B0600000101010101" pitchFamily="50" charset="-127"/>
               </a:rPr>
               <a:pPr algn="r" eaLnBrk="1" hangingPunct="1"/>
-              <a:t>2023-12-05</a:t>
+              <a:t>2023-12-12</a:t>
             </a:fld>
             <a:r>
               <a:rPr lang="en-US" altLang="ko-KR" sz="1200" b="1" i="1" dirty="0">
@@ -5781,7 +5781,7 @@
           <p:nvPr>
             <p:extLst>
               <p:ext uri="{D42A27DB-BD31-4B8C-83A1-F6EECF244321}">
-                <p14:modId xmlns:p14="http://schemas.microsoft.com/office/powerpoint/2010/main" val="4193931646"/>
+                <p14:modId xmlns:p14="http://schemas.microsoft.com/office/powerpoint/2010/main" val="497139962"/>
               </p:ext>
             </p:extLst>
           </p:nvPr>
@@ -6503,11 +6503,18 @@
                     <a:p>
                       <a:pPr algn="ctr" latinLnBrk="1"/>
                       <a:r>
+                        <a:rPr lang="ko-KR" altLang="en-US" sz="1600" smtClean="0">
+                          <a:latin typeface="맑은 고딕" panose="020B0503020000020004" pitchFamily="50" charset="-127"/>
+                          <a:ea typeface="맑은 고딕" panose="020B0503020000020004" pitchFamily="50" charset="-127"/>
+                        </a:rPr>
+                        <a:t>소스 코드 </a:t>
+                      </a:r>
+                      <a:r>
                         <a:rPr lang="ko-KR" altLang="en-US" sz="1600" dirty="0">
                           <a:latin typeface="맑은 고딕" panose="020B0503020000020004" pitchFamily="50" charset="-127"/>
                           <a:ea typeface="맑은 고딕" panose="020B0503020000020004" pitchFamily="50" charset="-127"/>
                         </a:rPr>
-                        <a:t>시스템 기능 분석서</a:t>
+                        <a:t>분석서</a:t>
                       </a:r>
                     </a:p>
                   </a:txBody>
@@ -6557,11 +6564,18 @@
                     <a:p>
                       <a:pPr algn="ctr" latinLnBrk="1"/>
                       <a:r>
+                        <a:rPr lang="ko-KR" altLang="en-US" sz="1600" dirty="0" smtClean="0">
+                          <a:latin typeface="맑은 고딕" panose="020B0503020000020004" pitchFamily="50" charset="-127"/>
+                          <a:ea typeface="맑은 고딕" panose="020B0503020000020004" pitchFamily="50" charset="-127"/>
+                        </a:rPr>
+                        <a:t>소스코드의 </a:t>
+                      </a:r>
+                      <a:r>
                         <a:rPr lang="ko-KR" altLang="en-US" sz="1600" dirty="0">
                           <a:latin typeface="맑은 고딕" panose="020B0503020000020004" pitchFamily="50" charset="-127"/>
                           <a:ea typeface="맑은 고딕" panose="020B0503020000020004" pitchFamily="50" charset="-127"/>
                         </a:rPr>
-                        <a:t>각각의 상세한 </a:t>
+                        <a:t>상세한 </a:t>
                       </a:r>
                       <a:endParaRPr lang="en-US" altLang="ko-KR" sz="1600" dirty="0">
                         <a:latin typeface="맑은 고딕" panose="020B0503020000020004" pitchFamily="50" charset="-127"/>
@@ -6659,7 +6673,7 @@
                           <a:latin typeface="맑은 고딕" panose="020B0503020000020004" pitchFamily="50" charset="-127"/>
                           <a:ea typeface="맑은 고딕" panose="020B0503020000020004" pitchFamily="50" charset="-127"/>
                         </a:rPr>
-                        <a:t>6</a:t>
+                        <a:t>12</a:t>
                       </a:r>
                       <a:r>
                         <a:rPr lang="ko-KR" altLang="en-US" sz="1600" dirty="0" smtClean="0">
@@ -7390,12 +7404,16 @@
                     <a:p>
                       <a:pPr algn="ctr" latinLnBrk="1"/>
                       <a:r>
-                        <a:rPr lang="ko-KR" altLang="en-US" sz="1600" dirty="0">
+                        <a:rPr lang="ko-KR" altLang="en-US" sz="1600" dirty="0" smtClean="0">
                           <a:latin typeface="맑은 고딕" panose="020B0503020000020004" pitchFamily="50" charset="-127"/>
                           <a:ea typeface="맑은 고딕" panose="020B0503020000020004" pitchFamily="50" charset="-127"/>
                         </a:rPr>
-                        <a:t>파일</a:t>
+                        <a:t>링크 주소</a:t>
                       </a:r>
+                      <a:endParaRPr lang="ko-KR" altLang="en-US" sz="1600" dirty="0">
+                        <a:latin typeface="맑은 고딕" panose="020B0503020000020004" pitchFamily="50" charset="-127"/>
+                        <a:ea typeface="맑은 고딕" panose="020B0503020000020004" pitchFamily="50" charset="-127"/>
+                      </a:endParaRPr>
                     </a:p>
                   </a:txBody>
                   <a:tcPr anchor="ctr">
@@ -8059,10 +8077,6 @@
                 </a:rPr>
                 <a:t>주</a:t>
               </a:r>
-              <a:endParaRPr lang="ko-KR" altLang="en-US" sz="1400" b="1" dirty="0">
-                <a:latin typeface="맑은 고딕" panose="020B0503020000020004" pitchFamily="50" charset="-127"/>
-                <a:ea typeface="맑은 고딕" panose="020B0503020000020004" pitchFamily="50" charset="-127"/>
-              </a:endParaRPr>
             </a:p>
           </p:txBody>
         </p:sp>
@@ -10652,37 +10666,7 @@
                 <a:latin typeface="맑은 고딕" panose="020B0503020000020004" pitchFamily="50" charset="-127"/>
                 <a:ea typeface="맑은 고딕" panose="020B0503020000020004" pitchFamily="50" charset="-127"/>
               </a:rPr>
-              <a:t>(</a:t>
-            </a:r>
-            <a:r>
-              <a:rPr lang="en-US" altLang="ko-KR" sz="1300" b="1" dirty="0" smtClean="0">
-                <a:solidFill>
-                  <a:srgbClr val="006699"/>
-                </a:solidFill>
-                <a:effectLst>
-                  <a:outerShdw blurRad="38100" dist="38100" dir="2700000" algn="tl">
-                    <a:srgbClr val="C0C0C0"/>
-                  </a:outerShdw>
-                </a:effectLst>
-                <a:latin typeface="맑은 고딕" panose="020B0503020000020004" pitchFamily="50" charset="-127"/>
-                <a:ea typeface="맑은 고딕" panose="020B0503020000020004" pitchFamily="50" charset="-127"/>
-              </a:rPr>
-              <a:t>98%</a:t>
-            </a:r>
-            <a:r>
-              <a:rPr lang="en-US" altLang="ko-KR" sz="1300" b="1" dirty="0" smtClean="0">
-                <a:solidFill>
-                  <a:srgbClr val="006699"/>
-                </a:solidFill>
-                <a:effectLst>
-                  <a:outerShdw blurRad="38100" dist="38100" dir="2700000" algn="tl">
-                    <a:srgbClr val="C0C0C0"/>
-                  </a:outerShdw>
-                </a:effectLst>
-                <a:latin typeface="맑은 고딕" panose="020B0503020000020004" pitchFamily="50" charset="-127"/>
-                <a:ea typeface="맑은 고딕" panose="020B0503020000020004" pitchFamily="50" charset="-127"/>
-              </a:rPr>
-              <a:t>)</a:t>
+              <a:t>(98%)</a:t>
             </a:r>
             <a:endParaRPr lang="en-US" altLang="ko-KR" sz="1300" b="1" dirty="0">
               <a:solidFill>
@@ -13313,7 +13297,55 @@
               <a:rPr lang="en-US" altLang="ko-KR" sz="1600" dirty="0" smtClean="0"/>
               <a:t>: </a:t>
             </a:r>
-            <a:endParaRPr lang="ko-KR" altLang="en-US" sz="1600" dirty="0"/>
+            <a:endParaRPr lang="en-US" altLang="ko-KR" sz="1600" dirty="0" smtClean="0"/>
+          </a:p>
+          <a:p>
+            <a:pPr lvl="2" eaLnBrk="1" hangingPunct="1"/>
+            <a:r>
+              <a:rPr lang="ko-KR" altLang="en-US" sz="1400" dirty="0" smtClean="0"/>
+              <a:t>사이트 연결</a:t>
+            </a:r>
+            <a:r>
+              <a:rPr lang="en-US" altLang="ko-KR" sz="1400" dirty="0"/>
+              <a:t>: </a:t>
+            </a:r>
+            <a:r>
+              <a:rPr lang="en-US" altLang="ko-KR" sz="1400" dirty="0">
+                <a:hlinkClick r:id="rId2"/>
+              </a:rPr>
+              <a:t>https://</a:t>
+            </a:r>
+            <a:r>
+              <a:rPr lang="en-US" altLang="ko-KR" sz="1400" dirty="0" smtClean="0">
+                <a:hlinkClick r:id="rId2"/>
+              </a:rPr>
+              <a:t>learn.microsoft.com/ko-kr/troubleshoot/developer/visualstudio/csharp/language-compilers/start-internet-browser</a:t>
+            </a:r>
+            <a:endParaRPr lang="en-US" altLang="ko-KR" sz="1400" dirty="0" smtClean="0"/>
+          </a:p>
+          <a:p>
+            <a:pPr lvl="2" eaLnBrk="1" hangingPunct="1"/>
+            <a:r>
+              <a:rPr lang="ko-KR" altLang="en-US" sz="1400" dirty="0" smtClean="0"/>
+              <a:t>인쇄 설정</a:t>
+            </a:r>
+            <a:r>
+              <a:rPr lang="en-US" altLang="ko-KR" sz="1400" dirty="0" smtClean="0"/>
+              <a:t>: </a:t>
+            </a:r>
+            <a:r>
+              <a:rPr lang="en-US" altLang="ko-KR" sz="1400" dirty="0">
+                <a:hlinkClick r:id="rId3"/>
+              </a:rPr>
+              <a:t>https://</a:t>
+            </a:r>
+            <a:r>
+              <a:rPr lang="en-US" altLang="ko-KR" sz="1400" dirty="0" smtClean="0">
+                <a:hlinkClick r:id="rId3"/>
+              </a:rPr>
+              <a:t>learn.microsoft.com/ko-kr/dotnet/api/system.drawing.printing.printdocument?view=dotnet-plat-ext-8.0</a:t>
+            </a:r>
+            <a:endParaRPr lang="ko-KR" altLang="en-US" sz="1400" dirty="0"/>
           </a:p>
           <a:p>
             <a:pPr marL="800100" lvl="1" indent="-342900" eaLnBrk="1" hangingPunct="1"/>
